--- a/Tema5/Transacciones.pptx
+++ b/Tema5/Transacciones.pptx
@@ -17,10 +17,10 @@
     <p:sldId id="276" r:id="rId8"/>
     <p:sldId id="277" r:id="rId9"/>
     <p:sldId id="278" r:id="rId10"/>
-    <p:sldId id="279" r:id="rId11"/>
-    <p:sldId id="280" r:id="rId12"/>
-    <p:sldId id="281" r:id="rId13"/>
-    <p:sldId id="282" r:id="rId14"/>
+    <p:sldId id="281" r:id="rId11"/>
+    <p:sldId id="282" r:id="rId12"/>
+    <p:sldId id="279" r:id="rId13"/>
+    <p:sldId id="280" r:id="rId14"/>
   </p:sldIdLst>
   <p:sldSz cx="9144000" cy="6858000" type="screen4x3"/>
   <p:notesSz cx="6858000" cy="9144000"/>
@@ -3063,10 +3063,22 @@
         <a:lstStyle/>
         <a:p>
           <a:r>
-            <a:rPr lang="es-ES" sz="1400" b="1" i="1"/>
-            <a:t>Ejemplo de ejecución de instrucciones en estado transaccional:</a:t>
+            <a:rPr lang="es-ES" sz="1400" b="1" i="1" dirty="0"/>
+            <a:t>Ejemplo de ejecución de instrucciones en </a:t>
           </a:r>
-          <a:endParaRPr lang="en-US" sz="1400"/>
+          <a:r>
+            <a:rPr lang="es-ES" sz="1400" b="1" i="1" dirty="0">
+              <a:highlight>
+                <a:srgbClr val="FFFF00"/>
+              </a:highlight>
+            </a:rPr>
+            <a:t>estado transaccional</a:t>
+          </a:r>
+          <a:r>
+            <a:rPr lang="es-ES" sz="1400" b="1" i="1" dirty="0"/>
+            <a:t>:</a:t>
+          </a:r>
+          <a:endParaRPr lang="en-US" sz="1400" dirty="0"/>
         </a:p>
       </dgm:t>
     </dgm:pt>
@@ -3211,10 +3223,22 @@
         <a:lstStyle/>
         <a:p>
           <a:r>
-            <a:rPr lang="es-ES" sz="1400" b="1" i="1"/>
-            <a:t>4.- COMMIT;   (quedan hechas realmente las instrucciones 1, 2 y 3)</a:t>
+            <a:rPr lang="es-ES" sz="1400" b="1" i="1" dirty="0"/>
+            <a:t>4.- </a:t>
           </a:r>
-          <a:endParaRPr lang="en-US" sz="1400"/>
+          <a:r>
+            <a:rPr lang="es-ES" sz="1400" b="1" i="1" dirty="0">
+              <a:highlight>
+                <a:srgbClr val="00FF00"/>
+              </a:highlight>
+            </a:rPr>
+            <a:t>COMMIT</a:t>
+          </a:r>
+          <a:r>
+            <a:rPr lang="es-ES" sz="1400" b="1" i="1" dirty="0"/>
+            <a:t>;   (quedan hechas realmente las instrucciones 1, 2 y 3)</a:t>
+          </a:r>
+          <a:endParaRPr lang="en-US" sz="1400" dirty="0"/>
         </a:p>
       </dgm:t>
     </dgm:pt>
@@ -3322,10 +3346,22 @@
         <a:lstStyle/>
         <a:p>
           <a:r>
-            <a:rPr lang="es-ES" sz="1400" b="1" i="1"/>
-            <a:t>7.- ROLLBACK; (se anulan las instrucciones 4 y 5, se vuelve al estado en el que estaba la base de datos en el punto 4)</a:t>
+            <a:rPr lang="es-ES" sz="1400" b="1" i="1" dirty="0"/>
+            <a:t>7.- </a:t>
           </a:r>
-          <a:endParaRPr lang="en-US" sz="1400"/>
+          <a:r>
+            <a:rPr lang="es-ES" sz="1400" b="1" i="1" dirty="0">
+              <a:highlight>
+                <a:srgbClr val="00FF00"/>
+              </a:highlight>
+            </a:rPr>
+            <a:t>ROLLBACK</a:t>
+          </a:r>
+          <a:r>
+            <a:rPr lang="es-ES" sz="1400" b="1" i="1" dirty="0"/>
+            <a:t>; (se anulan las instrucciones 4 y 5, se vuelve al estado en el que estaba la base de datos en el punto 4)</a:t>
+          </a:r>
+          <a:endParaRPr lang="en-US" sz="1400" dirty="0"/>
         </a:p>
       </dgm:t>
     </dgm:pt>
@@ -3868,10 +3904,22 @@
         <a:lstStyle/>
         <a:p>
           <a:r>
-            <a:rPr lang="es-ES" b="1" i="1"/>
-            <a:t>Ejemplo de ejecución de instrucciones en estado NO transaccional:</a:t>
+            <a:rPr lang="es-ES" b="1" i="1" dirty="0"/>
+            <a:t>Ejemplo de ejecución de instrucciones en estado </a:t>
           </a:r>
-          <a:endParaRPr lang="en-US"/>
+          <a:r>
+            <a:rPr lang="es-ES" b="1" i="1" dirty="0">
+              <a:highlight>
+                <a:srgbClr val="FFFF00"/>
+              </a:highlight>
+            </a:rPr>
+            <a:t>NO transaccional</a:t>
+          </a:r>
+          <a:r>
+            <a:rPr lang="es-ES" b="1" i="1" dirty="0"/>
+            <a:t>:</a:t>
+          </a:r>
+          <a:endParaRPr lang="en-US" dirty="0"/>
         </a:p>
       </dgm:t>
     </dgm:pt>
@@ -3942,10 +3990,22 @@
         <a:lstStyle/>
         <a:p>
           <a:r>
-            <a:rPr lang="es-ES" b="1" i="1"/>
-            <a:t>2.- START TRANSACTION (se inicia una transacción)</a:t>
+            <a:rPr lang="es-ES" b="1" i="1" dirty="0"/>
+            <a:t>2.- </a:t>
           </a:r>
-          <a:endParaRPr lang="en-US"/>
+          <a:r>
+            <a:rPr lang="es-ES" b="1" i="1" dirty="0">
+              <a:highlight>
+                <a:srgbClr val="00FF00"/>
+              </a:highlight>
+            </a:rPr>
+            <a:t>START TRANSACTION </a:t>
+          </a:r>
+          <a:r>
+            <a:rPr lang="es-ES" b="1" i="1" dirty="0"/>
+            <a:t>(se inicia una transacción)</a:t>
+          </a:r>
+          <a:endParaRPr lang="en-US" dirty="0"/>
         </a:p>
       </dgm:t>
     </dgm:pt>
@@ -4053,10 +4113,22 @@
         <a:lstStyle/>
         <a:p>
           <a:r>
-            <a:rPr lang="es-ES" b="1" i="1"/>
-            <a:t>5.- COMMIT;   (quedan hechas realmente las instrucciones 2 y 3)</a:t>
+            <a:rPr lang="es-ES" b="1" i="1" dirty="0"/>
+            <a:t>5.- </a:t>
           </a:r>
-          <a:endParaRPr lang="en-US"/>
+          <a:r>
+            <a:rPr lang="es-ES" b="1" i="1" dirty="0">
+              <a:highlight>
+                <a:srgbClr val="00FF00"/>
+              </a:highlight>
+            </a:rPr>
+            <a:t>COMMIT</a:t>
+          </a:r>
+          <a:r>
+            <a:rPr lang="es-ES" b="1" i="1" dirty="0"/>
+            <a:t>;   (quedan hechas realmente las instrucciones 2 y 3)</a:t>
+          </a:r>
+          <a:endParaRPr lang="en-US" dirty="0"/>
         </a:p>
       </dgm:t>
     </dgm:pt>
@@ -4164,10 +4236,22 @@
         <a:lstStyle/>
         <a:p>
           <a:r>
-            <a:rPr lang="es-ES" b="1" i="1"/>
-            <a:t>8.- START TRANSACTION; (se inicia una transacción)</a:t>
+            <a:rPr lang="es-ES" b="1" i="1" dirty="0"/>
+            <a:t>8.- </a:t>
           </a:r>
-          <a:endParaRPr lang="en-US"/>
+          <a:r>
+            <a:rPr lang="es-ES" b="1" i="1" dirty="0">
+              <a:highlight>
+                <a:srgbClr val="00FF00"/>
+              </a:highlight>
+            </a:rPr>
+            <a:t>START TRANSACTION</a:t>
+          </a:r>
+          <a:r>
+            <a:rPr lang="es-ES" b="1" i="1" dirty="0"/>
+            <a:t>; (se inicia una transacción)</a:t>
+          </a:r>
+          <a:endParaRPr lang="en-US" dirty="0"/>
         </a:p>
       </dgm:t>
     </dgm:pt>
@@ -4276,7 +4360,19 @@
         <a:p>
           <a:r>
             <a:rPr lang="es-ES" b="1" i="1" dirty="0"/>
-            <a:t>11.- ROLLBACK;  (quedan anuladas las instrucciones 6 y 7)</a:t>
+            <a:t>11.- </a:t>
+          </a:r>
+          <a:r>
+            <a:rPr lang="es-ES" b="1" i="1" dirty="0">
+              <a:highlight>
+                <a:srgbClr val="00FF00"/>
+              </a:highlight>
+            </a:rPr>
+            <a:t>ROLLBACK</a:t>
+          </a:r>
+          <a:r>
+            <a:rPr lang="es-ES" b="1" i="1" dirty="0"/>
+            <a:t>;  (quedan anuladas las instrucciones 6 y 7)</a:t>
           </a:r>
           <a:endParaRPr lang="en-US" dirty="0"/>
         </a:p>
@@ -5306,10 +5402,22 @@
             <a:buNone/>
           </a:pPr>
           <a:r>
-            <a:rPr lang="es-ES" sz="1400" b="1" i="1" kern="1200"/>
-            <a:t>Ejemplo de ejecución de instrucciones en estado transaccional:</a:t>
+            <a:rPr lang="es-ES" sz="1400" b="1" i="1" kern="1200" dirty="0"/>
+            <a:t>Ejemplo de ejecución de instrucciones en </a:t>
           </a:r>
-          <a:endParaRPr lang="en-US" sz="1400" kern="1200"/>
+          <a:r>
+            <a:rPr lang="es-ES" sz="1400" b="1" i="1" kern="1200" dirty="0">
+              <a:highlight>
+                <a:srgbClr val="FFFF00"/>
+              </a:highlight>
+            </a:rPr>
+            <a:t>estado transaccional</a:t>
+          </a:r>
+          <a:r>
+            <a:rPr lang="es-ES" sz="1400" b="1" i="1" kern="1200" dirty="0"/>
+            <a:t>:</a:t>
+          </a:r>
+          <a:endParaRPr lang="en-US" sz="1400" kern="1200" dirty="0"/>
         </a:p>
       </dsp:txBody>
       <dsp:txXfrm>
@@ -5746,10 +5854,22 @@
             <a:buNone/>
           </a:pPr>
           <a:r>
-            <a:rPr lang="es-ES" sz="1400" b="1" i="1" kern="1200"/>
-            <a:t>4.- COMMIT;   (quedan hechas realmente las instrucciones 1, 2 y 3)</a:t>
+            <a:rPr lang="es-ES" sz="1400" b="1" i="1" kern="1200" dirty="0"/>
+            <a:t>4.- </a:t>
           </a:r>
-          <a:endParaRPr lang="en-US" sz="1400" kern="1200"/>
+          <a:r>
+            <a:rPr lang="es-ES" sz="1400" b="1" i="1" kern="1200" dirty="0">
+              <a:highlight>
+                <a:srgbClr val="00FF00"/>
+              </a:highlight>
+            </a:rPr>
+            <a:t>COMMIT</a:t>
+          </a:r>
+          <a:r>
+            <a:rPr lang="es-ES" sz="1400" b="1" i="1" kern="1200" dirty="0"/>
+            <a:t>;   (quedan hechas realmente las instrucciones 1, 2 y 3)</a:t>
+          </a:r>
+          <a:endParaRPr lang="en-US" sz="1400" kern="1200" dirty="0"/>
         </a:p>
       </dsp:txBody>
       <dsp:txXfrm>
@@ -6076,10 +6196,22 @@
             <a:buNone/>
           </a:pPr>
           <a:r>
-            <a:rPr lang="es-ES" sz="1400" b="1" i="1" kern="1200"/>
-            <a:t>7.- ROLLBACK; (se anulan las instrucciones 4 y 5, se vuelve al estado en el que estaba la base de datos en el punto 4)</a:t>
+            <a:rPr lang="es-ES" sz="1400" b="1" i="1" kern="1200" dirty="0"/>
+            <a:t>7.- </a:t>
           </a:r>
-          <a:endParaRPr lang="en-US" sz="1400" kern="1200"/>
+          <a:r>
+            <a:rPr lang="es-ES" sz="1400" b="1" i="1" kern="1200" dirty="0">
+              <a:highlight>
+                <a:srgbClr val="00FF00"/>
+              </a:highlight>
+            </a:rPr>
+            <a:t>ROLLBACK</a:t>
+          </a:r>
+          <a:r>
+            <a:rPr lang="es-ES" sz="1400" b="1" i="1" kern="1200" dirty="0"/>
+            <a:t>; (se anulan las instrucciones 4 y 5, se vuelve al estado en el que estaba la base de datos en el punto 4)</a:t>
+          </a:r>
+          <a:endParaRPr lang="en-US" sz="1400" kern="1200" dirty="0"/>
         </a:p>
       </dsp:txBody>
       <dsp:txXfrm>
@@ -6748,10 +6880,22 @@
             <a:buNone/>
           </a:pPr>
           <a:r>
-            <a:rPr lang="es-ES" sz="1900" b="1" i="1" kern="1200"/>
-            <a:t>Ejemplo de ejecución de instrucciones en estado NO transaccional:</a:t>
+            <a:rPr lang="es-ES" sz="1900" b="1" i="1" kern="1200" dirty="0"/>
+            <a:t>Ejemplo de ejecución de instrucciones en estado </a:t>
           </a:r>
-          <a:endParaRPr lang="en-US" sz="1900" kern="1200"/>
+          <a:r>
+            <a:rPr lang="es-ES" sz="1900" b="1" i="1" kern="1200" dirty="0">
+              <a:highlight>
+                <a:srgbClr val="FFFF00"/>
+              </a:highlight>
+            </a:rPr>
+            <a:t>NO transaccional</a:t>
+          </a:r>
+          <a:r>
+            <a:rPr lang="es-ES" sz="1900" b="1" i="1" kern="1200" dirty="0"/>
+            <a:t>:</a:t>
+          </a:r>
+          <a:endParaRPr lang="en-US" sz="1900" kern="1200" dirty="0"/>
         </a:p>
       </dsp:txBody>
       <dsp:txXfrm>
@@ -6968,10 +7112,22 @@
             <a:buNone/>
           </a:pPr>
           <a:r>
-            <a:rPr lang="es-ES" sz="1900" b="1" i="1" kern="1200"/>
-            <a:t>2.- START TRANSACTION (se inicia una transacción)</a:t>
+            <a:rPr lang="es-ES" sz="1900" b="1" i="1" kern="1200" dirty="0"/>
+            <a:t>2.- </a:t>
           </a:r>
-          <a:endParaRPr lang="en-US" sz="1900" kern="1200"/>
+          <a:r>
+            <a:rPr lang="es-ES" sz="1900" b="1" i="1" kern="1200" dirty="0">
+              <a:highlight>
+                <a:srgbClr val="00FF00"/>
+              </a:highlight>
+            </a:rPr>
+            <a:t>START TRANSACTION </a:t>
+          </a:r>
+          <a:r>
+            <a:rPr lang="es-ES" sz="1900" b="1" i="1" kern="1200" dirty="0"/>
+            <a:t>(se inicia una transacción)</a:t>
+          </a:r>
+          <a:endParaRPr lang="en-US" sz="1900" kern="1200" dirty="0"/>
         </a:p>
       </dsp:txBody>
       <dsp:txXfrm>
@@ -7298,10 +7454,22 @@
             <a:buNone/>
           </a:pPr>
           <a:r>
-            <a:rPr lang="es-ES" sz="1900" b="1" i="1" kern="1200"/>
-            <a:t>5.- COMMIT;   (quedan hechas realmente las instrucciones 2 y 3)</a:t>
+            <a:rPr lang="es-ES" sz="1900" b="1" i="1" kern="1200" dirty="0"/>
+            <a:t>5.- </a:t>
           </a:r>
-          <a:endParaRPr lang="en-US" sz="1900" kern="1200"/>
+          <a:r>
+            <a:rPr lang="es-ES" sz="1900" b="1" i="1" kern="1200" dirty="0">
+              <a:highlight>
+                <a:srgbClr val="00FF00"/>
+              </a:highlight>
+            </a:rPr>
+            <a:t>COMMIT</a:t>
+          </a:r>
+          <a:r>
+            <a:rPr lang="es-ES" sz="1900" b="1" i="1" kern="1200" dirty="0"/>
+            <a:t>;   (quedan hechas realmente las instrucciones 2 y 3)</a:t>
+          </a:r>
+          <a:endParaRPr lang="en-US" sz="1900" kern="1200" dirty="0"/>
         </a:p>
       </dsp:txBody>
       <dsp:txXfrm>
@@ -7628,10 +7796,22 @@
             <a:buNone/>
           </a:pPr>
           <a:r>
-            <a:rPr lang="es-ES" sz="1900" b="1" i="1" kern="1200"/>
-            <a:t>8.- START TRANSACTION; (se inicia una transacción)</a:t>
+            <a:rPr lang="es-ES" sz="1900" b="1" i="1" kern="1200" dirty="0"/>
+            <a:t>8.- </a:t>
           </a:r>
-          <a:endParaRPr lang="en-US" sz="1900" kern="1200"/>
+          <a:r>
+            <a:rPr lang="es-ES" sz="1900" b="1" i="1" kern="1200" dirty="0">
+              <a:highlight>
+                <a:srgbClr val="00FF00"/>
+              </a:highlight>
+            </a:rPr>
+            <a:t>START TRANSACTION</a:t>
+          </a:r>
+          <a:r>
+            <a:rPr lang="es-ES" sz="1900" b="1" i="1" kern="1200" dirty="0"/>
+            <a:t>; (se inicia una transacción)</a:t>
+          </a:r>
+          <a:endParaRPr lang="en-US" sz="1900" kern="1200" dirty="0"/>
         </a:p>
       </dsp:txBody>
       <dsp:txXfrm>
@@ -7959,7 +8139,19 @@
           </a:pPr>
           <a:r>
             <a:rPr lang="es-ES" sz="1900" b="1" i="1" kern="1200" dirty="0"/>
-            <a:t>11.- ROLLBACK;  (quedan anuladas las instrucciones 6 y 7)</a:t>
+            <a:t>11.- </a:t>
+          </a:r>
+          <a:r>
+            <a:rPr lang="es-ES" sz="1900" b="1" i="1" kern="1200" dirty="0">
+              <a:highlight>
+                <a:srgbClr val="00FF00"/>
+              </a:highlight>
+            </a:rPr>
+            <a:t>ROLLBACK</a:t>
+          </a:r>
+          <a:r>
+            <a:rPr lang="es-ES" sz="1900" b="1" i="1" kern="1200" dirty="0"/>
+            <a:t>;  (quedan anuladas las instrucciones 6 y 7)</a:t>
           </a:r>
           <a:endParaRPr lang="en-US" sz="1900" kern="1200" dirty="0"/>
         </a:p>
@@ -25430,265 +25622,6 @@
 <file path=ppt/slides/slide10.xml><?xml version="1.0" encoding="utf-8"?>
 <p:sld xmlns:a="http://schemas.openxmlformats.org/drawingml/2006/main" xmlns:r="http://schemas.openxmlformats.org/officeDocument/2006/relationships" xmlns:p="http://schemas.openxmlformats.org/presentationml/2006/main">
   <p:cSld>
-    <p:spTree>
-      <p:nvGrpSpPr>
-        <p:cNvPr id="1" name=""/>
-        <p:cNvGrpSpPr/>
-        <p:nvPr/>
-      </p:nvGrpSpPr>
-      <p:grpSpPr>
-        <a:xfrm>
-          <a:off x="0" y="0"/>
-          <a:ext cx="0" cy="0"/>
-          <a:chOff x="0" y="0"/>
-          <a:chExt cx="0" cy="0"/>
-        </a:xfrm>
-      </p:grpSpPr>
-      <p:sp>
-        <p:nvSpPr>
-          <p:cNvPr id="2" name="Título 1">
-            <a:extLst>
-              <a:ext uri="{FF2B5EF4-FFF2-40B4-BE49-F238E27FC236}">
-                <a16:creationId xmlns:a16="http://schemas.microsoft.com/office/drawing/2014/main" id="{CDA694CA-2285-81CD-4BB8-D163D89B4919}"/>
-              </a:ext>
-            </a:extLst>
-          </p:cNvPr>
-          <p:cNvSpPr>
-            <a:spLocks noGrp="1"/>
-          </p:cNvSpPr>
-          <p:nvPr>
-            <p:ph type="title"/>
-          </p:nvPr>
-        </p:nvSpPr>
-        <p:spPr>
-          <a:xfrm>
-            <a:off x="435610" y="202882"/>
-            <a:ext cx="7886700" cy="478155"/>
-          </a:xfrm>
-        </p:spPr>
-        <p:txBody>
-          <a:bodyPr/>
-          <a:lstStyle/>
-          <a:p>
-            <a:r>
-              <a:rPr lang="es-ES"/>
-              <a:t>TRANSACCIONES</a:t>
-            </a:r>
-            <a:endParaRPr lang="es-ES" dirty="0"/>
-          </a:p>
-        </p:txBody>
-      </p:sp>
-      <p:sp>
-        <p:nvSpPr>
-          <p:cNvPr id="4" name="Marcador de número de diapositiva 3">
-            <a:extLst>
-              <a:ext uri="{FF2B5EF4-FFF2-40B4-BE49-F238E27FC236}">
-                <a16:creationId xmlns:a16="http://schemas.microsoft.com/office/drawing/2014/main" id="{71DBDC45-1212-DD32-AD22-4F8E68B83924}"/>
-              </a:ext>
-            </a:extLst>
-          </p:cNvPr>
-          <p:cNvSpPr>
-            <a:spLocks noGrp="1"/>
-          </p:cNvSpPr>
-          <p:nvPr>
-            <p:ph type="sldNum" idx="12"/>
-          </p:nvPr>
-        </p:nvSpPr>
-        <p:spPr/>
-        <p:txBody>
-          <a:bodyPr/>
-          <a:lstStyle/>
-          <a:p>
-            <a:pPr marL="0" lvl="0" indent="0" algn="r" rtl="0">
-              <a:spcBef>
-                <a:spcPts val="0"/>
-              </a:spcBef>
-              <a:spcAft>
-                <a:spcPts val="0"/>
-              </a:spcAft>
-              <a:buNone/>
-            </a:pPr>
-            <a:fld id="{00000000-1234-1234-1234-123412341234}" type="slidenum">
-              <a:rPr lang="es-ES" smtClean="0"/>
-              <a:t>10</a:t>
-            </a:fld>
-            <a:endParaRPr lang="es-ES"/>
-          </a:p>
-        </p:txBody>
-      </p:sp>
-      <p:graphicFrame>
-        <p:nvGraphicFramePr>
-          <p:cNvPr id="6" name="Marcador de texto 2">
-            <a:extLst>
-              <a:ext uri="{FF2B5EF4-FFF2-40B4-BE49-F238E27FC236}">
-                <a16:creationId xmlns:a16="http://schemas.microsoft.com/office/drawing/2014/main" id="{0F87ED5C-4F6D-AB22-F3FC-5D311B67565F}"/>
-              </a:ext>
-            </a:extLst>
-          </p:cNvPr>
-          <p:cNvGraphicFramePr/>
-          <p:nvPr>
-            <p:extLst>
-              <p:ext uri="{D42A27DB-BD31-4B8C-83A1-F6EECF244321}">
-                <p14:modId xmlns:p14="http://schemas.microsoft.com/office/powerpoint/2010/main" val="661071414"/>
-              </p:ext>
-            </p:extLst>
-          </p:nvPr>
-        </p:nvGraphicFramePr>
-        <p:xfrm>
-          <a:off x="628650" y="843280"/>
-          <a:ext cx="7886700" cy="5513070"/>
-        </p:xfrm>
-        <a:graphic>
-          <a:graphicData uri="http://schemas.openxmlformats.org/drawingml/2006/diagram">
-            <dgm:relIds xmlns:dgm="http://schemas.openxmlformats.org/drawingml/2006/diagram" xmlns:r="http://schemas.openxmlformats.org/officeDocument/2006/relationships" r:dm="rId2" r:lo="rId3" r:qs="rId4" r:cs="rId5"/>
-          </a:graphicData>
-        </a:graphic>
-      </p:graphicFrame>
-    </p:spTree>
-    <p:extLst>
-      <p:ext uri="{BB962C8B-B14F-4D97-AF65-F5344CB8AC3E}">
-        <p14:creationId xmlns:p14="http://schemas.microsoft.com/office/powerpoint/2010/main" val="348076918"/>
-      </p:ext>
-    </p:extLst>
-  </p:cSld>
-  <p:clrMapOvr>
-    <a:masterClrMapping/>
-  </p:clrMapOvr>
-</p:sld>
-</file>
-
-<file path=ppt/slides/slide11.xml><?xml version="1.0" encoding="utf-8"?>
-<p:sld xmlns:a="http://schemas.openxmlformats.org/drawingml/2006/main" xmlns:r="http://schemas.openxmlformats.org/officeDocument/2006/relationships" xmlns:p="http://schemas.openxmlformats.org/presentationml/2006/main">
-  <p:cSld>
-    <p:spTree>
-      <p:nvGrpSpPr>
-        <p:cNvPr id="1" name=""/>
-        <p:cNvGrpSpPr/>
-        <p:nvPr/>
-      </p:nvGrpSpPr>
-      <p:grpSpPr>
-        <a:xfrm>
-          <a:off x="0" y="0"/>
-          <a:ext cx="0" cy="0"/>
-          <a:chOff x="0" y="0"/>
-          <a:chExt cx="0" cy="0"/>
-        </a:xfrm>
-      </p:grpSpPr>
-      <p:sp>
-        <p:nvSpPr>
-          <p:cNvPr id="2" name="Título 1">
-            <a:extLst>
-              <a:ext uri="{FF2B5EF4-FFF2-40B4-BE49-F238E27FC236}">
-                <a16:creationId xmlns:a16="http://schemas.microsoft.com/office/drawing/2014/main" id="{8AFF93F9-7581-1B1B-C21E-BC8130E4B2D0}"/>
-              </a:ext>
-            </a:extLst>
-          </p:cNvPr>
-          <p:cNvSpPr>
-            <a:spLocks noGrp="1"/>
-          </p:cNvSpPr>
-          <p:nvPr>
-            <p:ph type="title"/>
-          </p:nvPr>
-        </p:nvSpPr>
-        <p:spPr>
-          <a:xfrm>
-            <a:off x="628650" y="365125"/>
-            <a:ext cx="7886700" cy="437515"/>
-          </a:xfrm>
-        </p:spPr>
-        <p:txBody>
-          <a:bodyPr/>
-          <a:lstStyle/>
-          <a:p>
-            <a:r>
-              <a:rPr lang="es-ES" dirty="0"/>
-              <a:t>TRANSACCIONES</a:t>
-            </a:r>
-          </a:p>
-        </p:txBody>
-      </p:sp>
-      <p:sp>
-        <p:nvSpPr>
-          <p:cNvPr id="4" name="Marcador de número de diapositiva 3">
-            <a:extLst>
-              <a:ext uri="{FF2B5EF4-FFF2-40B4-BE49-F238E27FC236}">
-                <a16:creationId xmlns:a16="http://schemas.microsoft.com/office/drawing/2014/main" id="{577239CA-D6B8-01B7-DBCB-167D27A9828D}"/>
-              </a:ext>
-            </a:extLst>
-          </p:cNvPr>
-          <p:cNvSpPr>
-            <a:spLocks noGrp="1"/>
-          </p:cNvSpPr>
-          <p:nvPr>
-            <p:ph type="sldNum" idx="12"/>
-          </p:nvPr>
-        </p:nvSpPr>
-        <p:spPr/>
-        <p:txBody>
-          <a:bodyPr/>
-          <a:lstStyle/>
-          <a:p>
-            <a:pPr marL="0" lvl="0" indent="0" algn="r" rtl="0">
-              <a:spcBef>
-                <a:spcPts val="0"/>
-              </a:spcBef>
-              <a:spcAft>
-                <a:spcPts val="0"/>
-              </a:spcAft>
-              <a:buNone/>
-            </a:pPr>
-            <a:fld id="{00000000-1234-1234-1234-123412341234}" type="slidenum">
-              <a:rPr lang="es-ES" smtClean="0"/>
-              <a:t>11</a:t>
-            </a:fld>
-            <a:endParaRPr lang="es-ES"/>
-          </a:p>
-        </p:txBody>
-      </p:sp>
-      <p:graphicFrame>
-        <p:nvGraphicFramePr>
-          <p:cNvPr id="6" name="Marcador de texto 2">
-            <a:extLst>
-              <a:ext uri="{FF2B5EF4-FFF2-40B4-BE49-F238E27FC236}">
-                <a16:creationId xmlns:a16="http://schemas.microsoft.com/office/drawing/2014/main" id="{29349F90-FFCB-280F-1403-AD3F9830DB87}"/>
-              </a:ext>
-            </a:extLst>
-          </p:cNvPr>
-          <p:cNvGraphicFramePr/>
-          <p:nvPr>
-            <p:extLst>
-              <p:ext uri="{D42A27DB-BD31-4B8C-83A1-F6EECF244321}">
-                <p14:modId xmlns:p14="http://schemas.microsoft.com/office/powerpoint/2010/main" val="1798821304"/>
-              </p:ext>
-            </p:extLst>
-          </p:nvPr>
-        </p:nvGraphicFramePr>
-        <p:xfrm>
-          <a:off x="547370" y="802640"/>
-          <a:ext cx="8058150" cy="5252720"/>
-        </p:xfrm>
-        <a:graphic>
-          <a:graphicData uri="http://schemas.openxmlformats.org/drawingml/2006/diagram">
-            <dgm:relIds xmlns:dgm="http://schemas.openxmlformats.org/drawingml/2006/diagram" xmlns:r="http://schemas.openxmlformats.org/officeDocument/2006/relationships" r:dm="rId2" r:lo="rId3" r:qs="rId4" r:cs="rId5"/>
-          </a:graphicData>
-        </a:graphic>
-      </p:graphicFrame>
-    </p:spTree>
-    <p:extLst>
-      <p:ext uri="{BB962C8B-B14F-4D97-AF65-F5344CB8AC3E}">
-        <p14:creationId xmlns:p14="http://schemas.microsoft.com/office/powerpoint/2010/main" val="2715012174"/>
-      </p:ext>
-    </p:extLst>
-  </p:cSld>
-  <p:clrMapOvr>
-    <a:masterClrMapping/>
-  </p:clrMapOvr>
-</p:sld>
-</file>
-
-<file path=ppt/slides/slide12.xml><?xml version="1.0" encoding="utf-8"?>
-<p:sld xmlns:a="http://schemas.openxmlformats.org/drawingml/2006/main" xmlns:r="http://schemas.openxmlformats.org/officeDocument/2006/relationships" xmlns:p="http://schemas.openxmlformats.org/presentationml/2006/main">
-  <p:cSld>
     <p:bg>
       <p:bgPr>
         <a:solidFill>
@@ -26002,7 +25935,7 @@
                 </a:spcAft>
                 <a:buNone/>
               </a:pPr>
-              <a:t>12</a:t>
+              <a:t>10</a:t>
             </a:fld>
             <a:endParaRPr lang="es-ES" sz="1200">
               <a:solidFill>
@@ -26348,7 +26281,7 @@
 </p:sld>
 </file>
 
-<file path=ppt/slides/slide13.xml><?xml version="1.0" encoding="utf-8"?>
+<file path=ppt/slides/slide11.xml><?xml version="1.0" encoding="utf-8"?>
 <p:sld xmlns:a="http://schemas.openxmlformats.org/drawingml/2006/main" xmlns:r="http://schemas.openxmlformats.org/officeDocument/2006/relationships" xmlns:p="http://schemas.openxmlformats.org/presentationml/2006/main">
   <p:cSld>
     <p:bg>
@@ -26664,7 +26597,7 @@
                 </a:spcAft>
                 <a:buNone/>
               </a:pPr>
-              <a:t>13</a:t>
+              <a:t>11</a:t>
             </a:fld>
             <a:endParaRPr lang="es-ES" sz="1200">
               <a:solidFill>
@@ -26791,6 +26724,264 @@
     <p:extLst>
       <p:ext uri="{BB962C8B-B14F-4D97-AF65-F5344CB8AC3E}">
         <p14:creationId xmlns:p14="http://schemas.microsoft.com/office/powerpoint/2010/main" val="3322179980"/>
+      </p:ext>
+    </p:extLst>
+  </p:cSld>
+  <p:clrMapOvr>
+    <a:masterClrMapping/>
+  </p:clrMapOvr>
+</p:sld>
+</file>
+
+<file path=ppt/slides/slide12.xml><?xml version="1.0" encoding="utf-8"?>
+<p:sld xmlns:a="http://schemas.openxmlformats.org/drawingml/2006/main" xmlns:r="http://schemas.openxmlformats.org/officeDocument/2006/relationships" xmlns:p="http://schemas.openxmlformats.org/presentationml/2006/main">
+  <p:cSld>
+    <p:spTree>
+      <p:nvGrpSpPr>
+        <p:cNvPr id="1" name=""/>
+        <p:cNvGrpSpPr/>
+        <p:nvPr/>
+      </p:nvGrpSpPr>
+      <p:grpSpPr>
+        <a:xfrm>
+          <a:off x="0" y="0"/>
+          <a:ext cx="0" cy="0"/>
+          <a:chOff x="0" y="0"/>
+          <a:chExt cx="0" cy="0"/>
+        </a:xfrm>
+      </p:grpSpPr>
+      <p:sp>
+        <p:nvSpPr>
+          <p:cNvPr id="2" name="Título 1">
+            <a:extLst>
+              <a:ext uri="{FF2B5EF4-FFF2-40B4-BE49-F238E27FC236}">
+                <a16:creationId xmlns:a16="http://schemas.microsoft.com/office/drawing/2014/main" id="{CDA694CA-2285-81CD-4BB8-D163D89B4919}"/>
+              </a:ext>
+            </a:extLst>
+          </p:cNvPr>
+          <p:cNvSpPr>
+            <a:spLocks noGrp="1"/>
+          </p:cNvSpPr>
+          <p:nvPr>
+            <p:ph type="title"/>
+          </p:nvPr>
+        </p:nvSpPr>
+        <p:spPr>
+          <a:xfrm>
+            <a:off x="435610" y="202882"/>
+            <a:ext cx="7886700" cy="478155"/>
+          </a:xfrm>
+        </p:spPr>
+        <p:txBody>
+          <a:bodyPr/>
+          <a:lstStyle/>
+          <a:p>
+            <a:r>
+              <a:rPr lang="es-ES" dirty="0"/>
+              <a:t>TRANSACCIONES. </a:t>
+            </a:r>
+          </a:p>
+        </p:txBody>
+      </p:sp>
+      <p:sp>
+        <p:nvSpPr>
+          <p:cNvPr id="4" name="Marcador de número de diapositiva 3">
+            <a:extLst>
+              <a:ext uri="{FF2B5EF4-FFF2-40B4-BE49-F238E27FC236}">
+                <a16:creationId xmlns:a16="http://schemas.microsoft.com/office/drawing/2014/main" id="{71DBDC45-1212-DD32-AD22-4F8E68B83924}"/>
+              </a:ext>
+            </a:extLst>
+          </p:cNvPr>
+          <p:cNvSpPr>
+            <a:spLocks noGrp="1"/>
+          </p:cNvSpPr>
+          <p:nvPr>
+            <p:ph type="sldNum" idx="12"/>
+          </p:nvPr>
+        </p:nvSpPr>
+        <p:spPr/>
+        <p:txBody>
+          <a:bodyPr/>
+          <a:lstStyle/>
+          <a:p>
+            <a:pPr marL="0" lvl="0" indent="0" algn="r" rtl="0">
+              <a:spcBef>
+                <a:spcPts val="0"/>
+              </a:spcBef>
+              <a:spcAft>
+                <a:spcPts val="0"/>
+              </a:spcAft>
+              <a:buNone/>
+            </a:pPr>
+            <a:fld id="{00000000-1234-1234-1234-123412341234}" type="slidenum">
+              <a:rPr lang="es-ES" smtClean="0"/>
+              <a:t>12</a:t>
+            </a:fld>
+            <a:endParaRPr lang="es-ES"/>
+          </a:p>
+        </p:txBody>
+      </p:sp>
+      <p:graphicFrame>
+        <p:nvGraphicFramePr>
+          <p:cNvPr id="6" name="Marcador de texto 2">
+            <a:extLst>
+              <a:ext uri="{FF2B5EF4-FFF2-40B4-BE49-F238E27FC236}">
+                <a16:creationId xmlns:a16="http://schemas.microsoft.com/office/drawing/2014/main" id="{0F87ED5C-4F6D-AB22-F3FC-5D311B67565F}"/>
+              </a:ext>
+            </a:extLst>
+          </p:cNvPr>
+          <p:cNvGraphicFramePr/>
+          <p:nvPr>
+            <p:extLst>
+              <p:ext uri="{D42A27DB-BD31-4B8C-83A1-F6EECF244321}">
+                <p14:modId xmlns:p14="http://schemas.microsoft.com/office/powerpoint/2010/main" val="2178987904"/>
+              </p:ext>
+            </p:extLst>
+          </p:nvPr>
+        </p:nvGraphicFramePr>
+        <p:xfrm>
+          <a:off x="628650" y="843280"/>
+          <a:ext cx="7886700" cy="5513070"/>
+        </p:xfrm>
+        <a:graphic>
+          <a:graphicData uri="http://schemas.openxmlformats.org/drawingml/2006/diagram">
+            <dgm:relIds xmlns:dgm="http://schemas.openxmlformats.org/drawingml/2006/diagram" xmlns:r="http://schemas.openxmlformats.org/officeDocument/2006/relationships" r:dm="rId2" r:lo="rId3" r:qs="rId4" r:cs="rId5"/>
+          </a:graphicData>
+        </a:graphic>
+      </p:graphicFrame>
+    </p:spTree>
+    <p:extLst>
+      <p:ext uri="{BB962C8B-B14F-4D97-AF65-F5344CB8AC3E}">
+        <p14:creationId xmlns:p14="http://schemas.microsoft.com/office/powerpoint/2010/main" val="348076918"/>
+      </p:ext>
+    </p:extLst>
+  </p:cSld>
+  <p:clrMapOvr>
+    <a:masterClrMapping/>
+  </p:clrMapOvr>
+</p:sld>
+</file>
+
+<file path=ppt/slides/slide13.xml><?xml version="1.0" encoding="utf-8"?>
+<p:sld xmlns:a="http://schemas.openxmlformats.org/drawingml/2006/main" xmlns:r="http://schemas.openxmlformats.org/officeDocument/2006/relationships" xmlns:p="http://schemas.openxmlformats.org/presentationml/2006/main">
+  <p:cSld>
+    <p:spTree>
+      <p:nvGrpSpPr>
+        <p:cNvPr id="1" name=""/>
+        <p:cNvGrpSpPr/>
+        <p:nvPr/>
+      </p:nvGrpSpPr>
+      <p:grpSpPr>
+        <a:xfrm>
+          <a:off x="0" y="0"/>
+          <a:ext cx="0" cy="0"/>
+          <a:chOff x="0" y="0"/>
+          <a:chExt cx="0" cy="0"/>
+        </a:xfrm>
+      </p:grpSpPr>
+      <p:sp>
+        <p:nvSpPr>
+          <p:cNvPr id="2" name="Título 1">
+            <a:extLst>
+              <a:ext uri="{FF2B5EF4-FFF2-40B4-BE49-F238E27FC236}">
+                <a16:creationId xmlns:a16="http://schemas.microsoft.com/office/drawing/2014/main" id="{8AFF93F9-7581-1B1B-C21E-BC8130E4B2D0}"/>
+              </a:ext>
+            </a:extLst>
+          </p:cNvPr>
+          <p:cNvSpPr>
+            <a:spLocks noGrp="1"/>
+          </p:cNvSpPr>
+          <p:nvPr>
+            <p:ph type="title"/>
+          </p:nvPr>
+        </p:nvSpPr>
+        <p:spPr>
+          <a:xfrm>
+            <a:off x="628650" y="365125"/>
+            <a:ext cx="7886700" cy="437515"/>
+          </a:xfrm>
+        </p:spPr>
+        <p:txBody>
+          <a:bodyPr/>
+          <a:lstStyle/>
+          <a:p>
+            <a:r>
+              <a:rPr lang="es-ES" dirty="0"/>
+              <a:t>TRANSACCIONES</a:t>
+            </a:r>
+          </a:p>
+        </p:txBody>
+      </p:sp>
+      <p:sp>
+        <p:nvSpPr>
+          <p:cNvPr id="4" name="Marcador de número de diapositiva 3">
+            <a:extLst>
+              <a:ext uri="{FF2B5EF4-FFF2-40B4-BE49-F238E27FC236}">
+                <a16:creationId xmlns:a16="http://schemas.microsoft.com/office/drawing/2014/main" id="{577239CA-D6B8-01B7-DBCB-167D27A9828D}"/>
+              </a:ext>
+            </a:extLst>
+          </p:cNvPr>
+          <p:cNvSpPr>
+            <a:spLocks noGrp="1"/>
+          </p:cNvSpPr>
+          <p:nvPr>
+            <p:ph type="sldNum" idx="12"/>
+          </p:nvPr>
+        </p:nvSpPr>
+        <p:spPr/>
+        <p:txBody>
+          <a:bodyPr/>
+          <a:lstStyle/>
+          <a:p>
+            <a:pPr marL="0" lvl="0" indent="0" algn="r" rtl="0">
+              <a:spcBef>
+                <a:spcPts val="0"/>
+              </a:spcBef>
+              <a:spcAft>
+                <a:spcPts val="0"/>
+              </a:spcAft>
+              <a:buNone/>
+            </a:pPr>
+            <a:fld id="{00000000-1234-1234-1234-123412341234}" type="slidenum">
+              <a:rPr lang="es-ES" smtClean="0"/>
+              <a:t>13</a:t>
+            </a:fld>
+            <a:endParaRPr lang="es-ES"/>
+          </a:p>
+        </p:txBody>
+      </p:sp>
+      <p:graphicFrame>
+        <p:nvGraphicFramePr>
+          <p:cNvPr id="6" name="Marcador de texto 2">
+            <a:extLst>
+              <a:ext uri="{FF2B5EF4-FFF2-40B4-BE49-F238E27FC236}">
+                <a16:creationId xmlns:a16="http://schemas.microsoft.com/office/drawing/2014/main" id="{29349F90-FFCB-280F-1403-AD3F9830DB87}"/>
+              </a:ext>
+            </a:extLst>
+          </p:cNvPr>
+          <p:cNvGraphicFramePr/>
+          <p:nvPr>
+            <p:extLst>
+              <p:ext uri="{D42A27DB-BD31-4B8C-83A1-F6EECF244321}">
+                <p14:modId xmlns:p14="http://schemas.microsoft.com/office/powerpoint/2010/main" val="1416812259"/>
+              </p:ext>
+            </p:extLst>
+          </p:nvPr>
+        </p:nvGraphicFramePr>
+        <p:xfrm>
+          <a:off x="547370" y="802640"/>
+          <a:ext cx="8058150" cy="5252720"/>
+        </p:xfrm>
+        <a:graphic>
+          <a:graphicData uri="http://schemas.openxmlformats.org/drawingml/2006/diagram">
+            <dgm:relIds xmlns:dgm="http://schemas.openxmlformats.org/drawingml/2006/diagram" xmlns:r="http://schemas.openxmlformats.org/officeDocument/2006/relationships" r:dm="rId2" r:lo="rId3" r:qs="rId4" r:cs="rId5"/>
+          </a:graphicData>
+        </a:graphic>
+      </p:graphicFrame>
+    </p:spTree>
+    <p:extLst>
+      <p:ext uri="{BB962C8B-B14F-4D97-AF65-F5344CB8AC3E}">
+        <p14:creationId xmlns:p14="http://schemas.microsoft.com/office/powerpoint/2010/main" val="2715012174"/>
       </p:ext>
     </p:extLst>
   </p:cSld>
